--- a/images/images.pptx
+++ b/images/images.pptx
@@ -5,12 +5,11 @@
     <p:sldMasterId id="2147483648" r:id="rId1"/>
   </p:sldMasterIdLst>
   <p:sldIdLst>
-    <p:sldId id="256" r:id="rId2"/>
-    <p:sldId id="257" r:id="rId3"/>
-    <p:sldId id="258" r:id="rId4"/>
-    <p:sldId id="259" r:id="rId5"/>
-    <p:sldId id="260" r:id="rId6"/>
-    <p:sldId id="261" r:id="rId7"/>
+    <p:sldId id="257" r:id="rId2"/>
+    <p:sldId id="258" r:id="rId3"/>
+    <p:sldId id="259" r:id="rId4"/>
+    <p:sldId id="260" r:id="rId5"/>
+    <p:sldId id="261" r:id="rId6"/>
   </p:sldIdLst>
   <p:sldSz cx="12192000" cy="6858000"/>
   <p:notesSz cx="6858000" cy="9144000"/>
@@ -109,6 +108,11 @@
       </a:defRPr>
     </a:lvl9pPr>
   </p:defaultTextStyle>
+  <p:extLst>
+    <p:ext uri="{EFAFB233-063F-42B5-8137-9DF3F51BA10A}">
+      <p15:sldGuideLst xmlns:p15="http://schemas.microsoft.com/office/powerpoint/2012/main"/>
+    </p:ext>
+  </p:extLst>
 </p:presentation>
 </file>
 
@@ -243,7 +247,7 @@
           <a:p>
             <a:fld id="{66972256-323D-E844-8453-E54EC9E5B55E}" type="datetimeFigureOut">
               <a:rPr lang="en-US" smtClean="0"/>
-              <a:t>12/6/17</a:t>
+              <a:t>12/7/17</a:t>
             </a:fld>
             <a:endParaRPr lang="en-US"/>
           </a:p>
@@ -445,7 +449,7 @@
           <a:p>
             <a:fld id="{66972256-323D-E844-8453-E54EC9E5B55E}" type="datetimeFigureOut">
               <a:rPr lang="en-US" smtClean="0"/>
-              <a:t>12/6/17</a:t>
+              <a:t>12/7/17</a:t>
             </a:fld>
             <a:endParaRPr lang="en-US"/>
           </a:p>
@@ -657,7 +661,7 @@
           <a:p>
             <a:fld id="{66972256-323D-E844-8453-E54EC9E5B55E}" type="datetimeFigureOut">
               <a:rPr lang="en-US" smtClean="0"/>
-              <a:t>12/6/17</a:t>
+              <a:t>12/7/17</a:t>
             </a:fld>
             <a:endParaRPr lang="en-US"/>
           </a:p>
@@ -859,7 +863,7 @@
           <a:p>
             <a:fld id="{66972256-323D-E844-8453-E54EC9E5B55E}" type="datetimeFigureOut">
               <a:rPr lang="en-US" smtClean="0"/>
-              <a:t>12/6/17</a:t>
+              <a:t>12/7/17</a:t>
             </a:fld>
             <a:endParaRPr lang="en-US"/>
           </a:p>
@@ -1105,7 +1109,7 @@
           <a:p>
             <a:fld id="{66972256-323D-E844-8453-E54EC9E5B55E}" type="datetimeFigureOut">
               <a:rPr lang="en-US" smtClean="0"/>
-              <a:t>12/6/17</a:t>
+              <a:t>12/7/17</a:t>
             </a:fld>
             <a:endParaRPr lang="en-US"/>
           </a:p>
@@ -1401,7 +1405,7 @@
           <a:p>
             <a:fld id="{66972256-323D-E844-8453-E54EC9E5B55E}" type="datetimeFigureOut">
               <a:rPr lang="en-US" smtClean="0"/>
-              <a:t>12/6/17</a:t>
+              <a:t>12/7/17</a:t>
             </a:fld>
             <a:endParaRPr lang="en-US"/>
           </a:p>
@@ -1832,7 +1836,7 @@
           <a:p>
             <a:fld id="{66972256-323D-E844-8453-E54EC9E5B55E}" type="datetimeFigureOut">
               <a:rPr lang="en-US" smtClean="0"/>
-              <a:t>12/6/17</a:t>
+              <a:t>12/7/17</a:t>
             </a:fld>
             <a:endParaRPr lang="en-US"/>
           </a:p>
@@ -1950,7 +1954,7 @@
           <a:p>
             <a:fld id="{66972256-323D-E844-8453-E54EC9E5B55E}" type="datetimeFigureOut">
               <a:rPr lang="en-US" smtClean="0"/>
-              <a:t>12/6/17</a:t>
+              <a:t>12/7/17</a:t>
             </a:fld>
             <a:endParaRPr lang="en-US"/>
           </a:p>
@@ -2045,7 +2049,7 @@
           <a:p>
             <a:fld id="{66972256-323D-E844-8453-E54EC9E5B55E}" type="datetimeFigureOut">
               <a:rPr lang="en-US" smtClean="0"/>
-              <a:t>12/6/17</a:t>
+              <a:t>12/7/17</a:t>
             </a:fld>
             <a:endParaRPr lang="en-US"/>
           </a:p>
@@ -2354,7 +2358,7 @@
           <a:p>
             <a:fld id="{66972256-323D-E844-8453-E54EC9E5B55E}" type="datetimeFigureOut">
               <a:rPr lang="en-US" smtClean="0"/>
-              <a:t>12/6/17</a:t>
+              <a:t>12/7/17</a:t>
             </a:fld>
             <a:endParaRPr lang="en-US"/>
           </a:p>
@@ -2607,7 +2611,7 @@
           <a:p>
             <a:fld id="{66972256-323D-E844-8453-E54EC9E5B55E}" type="datetimeFigureOut">
               <a:rPr lang="en-US" smtClean="0"/>
-              <a:t>12/6/17</a:t>
+              <a:t>12/7/17</a:t>
             </a:fld>
             <a:endParaRPr lang="en-US"/>
           </a:p>
@@ -2852,7 +2856,7 @@
           <a:p>
             <a:fld id="{66972256-323D-E844-8453-E54EC9E5B55E}" type="datetimeFigureOut">
               <a:rPr lang="en-US" smtClean="0"/>
-              <a:t>12/6/17</a:t>
+              <a:t>12/7/17</a:t>
             </a:fld>
             <a:endParaRPr lang="en-US"/>
           </a:p>
@@ -3259,74 +3263,6 @@
       </p:grpSpPr>
       <p:sp>
         <p:nvSpPr>
-          <p:cNvPr id="2" name="タイトル 1"/>
-          <p:cNvSpPr>
-            <a:spLocks noGrp="1"/>
-          </p:cNvSpPr>
-          <p:nvPr>
-            <p:ph type="ctrTitle"/>
-          </p:nvPr>
-        </p:nvSpPr>
-        <p:spPr/>
-        <p:txBody>
-          <a:bodyPr/>
-          <a:lstStyle/>
-          <a:p>
-            <a:endParaRPr lang="en-US"/>
-          </a:p>
-        </p:txBody>
-      </p:sp>
-      <p:sp>
-        <p:nvSpPr>
-          <p:cNvPr id="3" name="サブタイトル 2"/>
-          <p:cNvSpPr>
-            <a:spLocks noGrp="1"/>
-          </p:cNvSpPr>
-          <p:nvPr>
-            <p:ph type="subTitle" idx="1"/>
-          </p:nvPr>
-        </p:nvSpPr>
-        <p:spPr/>
-        <p:txBody>
-          <a:bodyPr/>
-          <a:lstStyle/>
-          <a:p>
-            <a:endParaRPr lang="en-US"/>
-          </a:p>
-        </p:txBody>
-      </p:sp>
-    </p:spTree>
-    <p:extLst>
-      <p:ext uri="{BB962C8B-B14F-4D97-AF65-F5344CB8AC3E}">
-        <p14:creationId xmlns:p14="http://schemas.microsoft.com/office/powerpoint/2010/main" val="1622794201"/>
-      </p:ext>
-    </p:extLst>
-  </p:cSld>
-  <p:clrMapOvr>
-    <a:masterClrMapping/>
-  </p:clrMapOvr>
-</p:sld>
-</file>
-
-<file path=ppt/slides/slide2.xml><?xml version="1.0" encoding="utf-8"?>
-<p:sld xmlns:a="http://schemas.openxmlformats.org/drawingml/2006/main" xmlns:r="http://schemas.openxmlformats.org/officeDocument/2006/relationships" xmlns:p="http://schemas.openxmlformats.org/presentationml/2006/main">
-  <p:cSld>
-    <p:spTree>
-      <p:nvGrpSpPr>
-        <p:cNvPr id="1" name=""/>
-        <p:cNvGrpSpPr/>
-        <p:nvPr/>
-      </p:nvGrpSpPr>
-      <p:grpSpPr>
-        <a:xfrm>
-          <a:off x="0" y="0"/>
-          <a:ext cx="0" cy="0"/>
-          <a:chOff x="0" y="0"/>
-          <a:chExt cx="0" cy="0"/>
-        </a:xfrm>
-      </p:grpSpPr>
-      <p:sp>
-        <p:nvSpPr>
           <p:cNvPr id="2" name="円/楕円 1"/>
           <p:cNvSpPr/>
           <p:nvPr/>
@@ -4235,7 +4171,7 @@
 </p:sld>
 </file>
 
-<file path=ppt/slides/slide3.xml><?xml version="1.0" encoding="utf-8"?>
+<file path=ppt/slides/slide2.xml><?xml version="1.0" encoding="utf-8"?>
 <p:sld xmlns:a="http://schemas.openxmlformats.org/drawingml/2006/main" xmlns:r="http://schemas.openxmlformats.org/officeDocument/2006/relationships" xmlns:p="http://schemas.openxmlformats.org/presentationml/2006/main">
   <p:cSld>
     <p:spTree>
@@ -5659,6 +5595,54 @@
           </a:p>
         </p:txBody>
       </p:sp>
+      <p:sp>
+        <p:nvSpPr>
+          <p:cNvPr id="37" name="円/楕円 36"/>
+          <p:cNvSpPr/>
+          <p:nvPr/>
+        </p:nvSpPr>
+        <p:spPr>
+          <a:xfrm>
+            <a:off x="10187374" y="2079292"/>
+            <a:ext cx="776614" cy="776614"/>
+          </a:xfrm>
+          <a:prstGeom prst="ellipse">
+            <a:avLst/>
+          </a:prstGeom>
+        </p:spPr>
+        <p:style>
+          <a:lnRef idx="2">
+            <a:schemeClr val="accent6">
+              <a:shade val="50000"/>
+            </a:schemeClr>
+          </a:lnRef>
+          <a:fillRef idx="1">
+            <a:schemeClr val="accent6"/>
+          </a:fillRef>
+          <a:effectRef idx="0">
+            <a:schemeClr val="accent6"/>
+          </a:effectRef>
+          <a:fontRef idx="minor">
+            <a:schemeClr val="lt1"/>
+          </a:fontRef>
+        </p:style>
+        <p:txBody>
+          <a:bodyPr rtlCol="0" anchor="ctr"/>
+          <a:lstStyle/>
+          <a:p>
+            <a:pPr algn="ctr"/>
+            <a:r>
+              <a:rPr lang="en-US" sz="2000" dirty="0"/>
+              <a:t>H</a:t>
+            </a:r>
+            <a:r>
+              <a:rPr lang="en-US" sz="2000" baseline="-25000" dirty="0" smtClean="0"/>
+              <a:t>1</a:t>
+            </a:r>
+            <a:endParaRPr lang="en-US" sz="1400" dirty="0"/>
+          </a:p>
+        </p:txBody>
+      </p:sp>
     </p:spTree>
     <p:extLst>
       <p:ext uri="{BB962C8B-B14F-4D97-AF65-F5344CB8AC3E}">
@@ -5679,7 +5663,7 @@
 </p:sld>
 </file>
 
-<file path=ppt/slides/slide4.xml><?xml version="1.0" encoding="utf-8"?>
+<file path=ppt/slides/slide3.xml><?xml version="1.0" encoding="utf-8"?>
 <p:sld xmlns:a="http://schemas.openxmlformats.org/drawingml/2006/main" xmlns:r="http://schemas.openxmlformats.org/officeDocument/2006/relationships" xmlns:p="http://schemas.openxmlformats.org/presentationml/2006/main">
   <p:cSld>
     <p:spTree>
@@ -9080,7 +9064,7 @@
 </p:sld>
 </file>
 
-<file path=ppt/slides/slide5.xml><?xml version="1.0" encoding="utf-8"?>
+<file path=ppt/slides/slide4.xml><?xml version="1.0" encoding="utf-8"?>
 <p:sld xmlns:a="http://schemas.openxmlformats.org/drawingml/2006/main" xmlns:r="http://schemas.openxmlformats.org/officeDocument/2006/relationships" xmlns:p="http://schemas.openxmlformats.org/presentationml/2006/main">
   <p:cSld>
     <p:spTree>
@@ -11533,7 +11517,7 @@
 </p:sld>
 </file>
 
-<file path=ppt/slides/slide6.xml><?xml version="1.0" encoding="utf-8"?>
+<file path=ppt/slides/slide5.xml><?xml version="1.0" encoding="utf-8"?>
 <p:sld xmlns:a="http://schemas.openxmlformats.org/drawingml/2006/main" xmlns:r="http://schemas.openxmlformats.org/officeDocument/2006/relationships" xmlns:p="http://schemas.openxmlformats.org/presentationml/2006/main">
   <p:cSld>
     <p:spTree>
